--- a/data/file/cv/PPT - Dossier de compétences - Gérard KESSE_[ok].pptx
+++ b/data/file/cv/PPT - Dossier de compétences - Gérard KESSE_[ok].pptx
@@ -5597,41 +5597,6 @@
           </a:ln>
         </p:spPr>
       </p:pic>
-      <p:pic>
-        <p:nvPicPr>
-          <p:cNvPr id="16" name="Image 15">
-            <a:extLst>
-              <a:ext uri="{FF2B5EF4-FFF2-40B4-BE49-F238E27FC236}">
-                <a16:creationId xmlns="" xmlns:a16="http://schemas.microsoft.com/office/drawing/2014/main" id="{1623802A-2DD0-69D1-C5D3-3857C46295A8}"/>
-              </a:ext>
-            </a:extLst>
-          </p:cNvPr>
-          <p:cNvPicPr>
-            <a:picLocks noChangeAspect="1"/>
-          </p:cNvPicPr>
-          <p:nvPr/>
-        </p:nvPicPr>
-        <p:blipFill rotWithShape="1">
-          <a:blip r:embed="rId3">
-            <a:extLst>
-              <a:ext uri="{28A0092B-C50C-407E-A947-70E740481C1C}">
-                <a14:useLocalDpi xmlns="" xmlns:a14="http://schemas.microsoft.com/office/drawing/2010/main" val="0"/>
-              </a:ext>
-            </a:extLst>
-          </a:blip>
-          <a:srcRect r="78230"/>
-          <a:stretch/>
-        </p:blipFill>
-        <p:spPr>
-          <a:xfrm>
-            <a:off x="420593" y="2740465"/>
-            <a:ext cx="2243828" cy="2160000"/>
-          </a:xfrm>
-          <a:prstGeom prst="rect">
-            <a:avLst/>
-          </a:prstGeom>
-        </p:spPr>
-      </p:pic>
       <p:sp>
         <p:nvSpPr>
           <p:cNvPr id="3" name="Rectangle 2">
@@ -5699,7 +5664,7 @@
           <p:nvPr/>
         </p:nvPicPr>
         <p:blipFill>
-          <a:blip r:embed="rId4">
+          <a:blip r:embed="rId3">
             <a:extLst>
               <a:ext uri="{28A0092B-C50C-407E-A947-70E740481C1C}">
                 <a14:useLocalDpi xmlns="" xmlns:a14="http://schemas.microsoft.com/office/drawing/2010/main" val="0"/>
@@ -6316,7 +6281,7 @@
           <p:nvPr/>
         </p:nvPicPr>
         <p:blipFill>
-          <a:blip r:embed="rId5" cstate="print"/>
+          <a:blip r:embed="rId4" cstate="print"/>
           <a:srcRect/>
           <a:stretch>
             <a:fillRect/>
@@ -6351,7 +6316,7 @@
           <p:nvPr/>
         </p:nvPicPr>
         <p:blipFill>
-          <a:blip r:embed="rId6"/>
+          <a:blip r:embed="rId5"/>
           <a:srcRect/>
           <a:stretch>
             <a:fillRect/>
@@ -6384,7 +6349,7 @@
           <p:nvPr/>
         </p:nvPicPr>
         <p:blipFill>
-          <a:blip r:embed="rId7"/>
+          <a:blip r:embed="rId6"/>
           <a:srcRect/>
           <a:stretch>
             <a:fillRect/>
@@ -6408,6 +6373,41 @@
               </a:srgbClr>
             </a:outerShdw>
           </a:effectLst>
+        </p:spPr>
+      </p:pic>
+      <p:pic>
+        <p:nvPicPr>
+          <p:cNvPr id="16" name="Image 15">
+            <a:extLst>
+              <a:ext uri="{FF2B5EF4-FFF2-40B4-BE49-F238E27FC236}">
+                <a16:creationId xmlns="" xmlns:a16="http://schemas.microsoft.com/office/drawing/2014/main" id="{1623802A-2DD0-69D1-C5D3-3857C46295A8}"/>
+              </a:ext>
+            </a:extLst>
+          </p:cNvPr>
+          <p:cNvPicPr>
+            <a:picLocks noChangeAspect="1"/>
+          </p:cNvPicPr>
+          <p:nvPr/>
+        </p:nvPicPr>
+        <p:blipFill rotWithShape="1">
+          <a:blip r:embed="rId7">
+            <a:extLst>
+              <a:ext uri="{28A0092B-C50C-407E-A947-70E740481C1C}">
+                <a14:useLocalDpi xmlns="" xmlns:a14="http://schemas.microsoft.com/office/drawing/2010/main" val="0"/>
+              </a:ext>
+            </a:extLst>
+          </a:blip>
+          <a:srcRect r="78230"/>
+          <a:stretch/>
+        </p:blipFill>
+        <p:spPr>
+          <a:xfrm>
+            <a:off x="390113" y="2740465"/>
+            <a:ext cx="2243828" cy="2160000"/>
+          </a:xfrm>
+          <a:prstGeom prst="rect">
+            <a:avLst/>
+          </a:prstGeom>
         </p:spPr>
       </p:pic>
     </p:spTree>
